--- a/nodejs.pptx
+++ b/nodejs.pptx
@@ -5,7 +5,7 @@
     <p:sldMasterId id="2147483648" r:id="rId1"/>
   </p:sldMasterIdLst>
   <p:notesMasterIdLst>
-    <p:notesMasterId r:id="rId15"/>
+    <p:notesMasterId r:id="rId17"/>
   </p:notesMasterIdLst>
   <p:sldIdLst>
     <p:sldId id="256" r:id="rId2"/>
@@ -20,7 +20,9 @@
     <p:sldId id="269" r:id="rId11"/>
     <p:sldId id="266" r:id="rId12"/>
     <p:sldId id="267" r:id="rId13"/>
-    <p:sldId id="270" r:id="rId14"/>
+    <p:sldId id="271" r:id="rId14"/>
+    <p:sldId id="270" r:id="rId15"/>
+    <p:sldId id="272" r:id="rId16"/>
   </p:sldIdLst>
   <p:sldSz cx="12192000" cy="6858000"/>
   <p:notesSz cx="6858000" cy="9144000"/>
@@ -209,7 +211,7 @@
           <a:p>
             <a:fld id="{26957AF1-77CC-4ABC-9956-085B0EEE3981}" type="datetimeFigureOut">
               <a:rPr lang="de-DE" smtClean="0"/>
-              <a:t>08.11.2015</a:t>
+              <a:t>09.11.2015</a:t>
             </a:fld>
             <a:endParaRPr lang="de-DE"/>
           </a:p>
@@ -827,6 +829,90 @@
     </p:spTree>
     <p:extLst>
       <p:ext uri="{BB962C8B-B14F-4D97-AF65-F5344CB8AC3E}">
+        <p14:creationId xmlns:p14="http://schemas.microsoft.com/office/powerpoint/2010/main" val="2916323543"/>
+      </p:ext>
+    </p:extLst>
+  </p:cSld>
+  <p:clrMapOvr>
+    <a:masterClrMapping/>
+  </p:clrMapOvr>
+</p:notes>
+</file>
+
+<file path=ppt/notesSlides/notesSlide13.xml><?xml version="1.0" encoding="utf-8"?>
+<p:notes xmlns:a="http://schemas.openxmlformats.org/drawingml/2006/main" xmlns:r="http://schemas.openxmlformats.org/officeDocument/2006/relationships" xmlns:p="http://schemas.openxmlformats.org/presentationml/2006/main">
+  <p:cSld>
+    <p:spTree>
+      <p:nvGrpSpPr>
+        <p:cNvPr id="1" name=""/>
+        <p:cNvGrpSpPr/>
+        <p:nvPr/>
+      </p:nvGrpSpPr>
+      <p:grpSpPr>
+        <a:xfrm>
+          <a:off x="0" y="0"/>
+          <a:ext cx="0" cy="0"/>
+          <a:chOff x="0" y="0"/>
+          <a:chExt cx="0" cy="0"/>
+        </a:xfrm>
+      </p:grpSpPr>
+      <p:sp>
+        <p:nvSpPr>
+          <p:cNvPr id="2" name="Folienbildplatzhalter 1"/>
+          <p:cNvSpPr>
+            <a:spLocks noGrp="1" noRot="1" noChangeAspect="1"/>
+          </p:cNvSpPr>
+          <p:nvPr>
+            <p:ph type="sldImg"/>
+          </p:nvPr>
+        </p:nvSpPr>
+        <p:spPr/>
+      </p:sp>
+      <p:sp>
+        <p:nvSpPr>
+          <p:cNvPr id="3" name="Notizenplatzhalter 2"/>
+          <p:cNvSpPr>
+            <a:spLocks noGrp="1"/>
+          </p:cNvSpPr>
+          <p:nvPr>
+            <p:ph type="body" idx="1"/>
+          </p:nvPr>
+        </p:nvSpPr>
+        <p:spPr/>
+        <p:txBody>
+          <a:bodyPr/>
+          <a:lstStyle/>
+          <a:p>
+            <a:endParaRPr lang="de-DE"/>
+          </a:p>
+        </p:txBody>
+      </p:sp>
+      <p:sp>
+        <p:nvSpPr>
+          <p:cNvPr id="4" name="Foliennummernplatzhalter 3"/>
+          <p:cNvSpPr>
+            <a:spLocks noGrp="1"/>
+          </p:cNvSpPr>
+          <p:nvPr>
+            <p:ph type="sldNum" sz="quarter" idx="10"/>
+          </p:nvPr>
+        </p:nvSpPr>
+        <p:spPr/>
+        <p:txBody>
+          <a:bodyPr/>
+          <a:lstStyle/>
+          <a:p>
+            <a:fld id="{A581A0AF-281B-4CF9-9018-6D55961E865F}" type="slidenum">
+              <a:rPr lang="de-DE" smtClean="0"/>
+              <a:t>14</a:t>
+            </a:fld>
+            <a:endParaRPr lang="de-DE"/>
+          </a:p>
+        </p:txBody>
+      </p:sp>
+    </p:spTree>
+    <p:extLst>
+      <p:ext uri="{BB962C8B-B14F-4D97-AF65-F5344CB8AC3E}">
         <p14:creationId xmlns:p14="http://schemas.microsoft.com/office/powerpoint/2010/main" val="1968418050"/>
       </p:ext>
     </p:extLst>
@@ -891,8 +977,23 @@
             </a:r>
             <a:r>
               <a:rPr lang="de-DE" baseline="0" dirty="0" smtClean="0"/>
-              <a:t> von der offiziellen node.js-Seite</a:t>
-            </a:r>
+              <a:t> von der offiziellen </a:t>
+            </a:r>
+            <a:r>
+              <a:rPr lang="de-DE" baseline="0" dirty="0" smtClean="0"/>
+              <a:t>node.js-Seite</a:t>
+            </a:r>
+          </a:p>
+          <a:p>
+            <a:pPr marL="171450" indent="-171450">
+              <a:buFont typeface="Arial" panose="020B0604020202020204" pitchFamily="34" charset="0"/>
+              <a:buChar char="•"/>
+            </a:pPr>
+            <a:r>
+              <a:rPr lang="de-DE" baseline="0" dirty="0" smtClean="0"/>
+              <a:t>Vorlesen</a:t>
+            </a:r>
+            <a:endParaRPr lang="de-DE" baseline="0" dirty="0" smtClean="0"/>
           </a:p>
           <a:p>
             <a:pPr marL="171450" indent="-171450">
@@ -2022,7 +2123,7 @@
           <a:p>
             <a:fld id="{655C2385-F9E9-4EC7-8B9F-659876F3FEDD}" type="datetime1">
               <a:rPr lang="de-DE" smtClean="0"/>
-              <a:t>08.11.2015</a:t>
+              <a:t>09.11.2015</a:t>
             </a:fld>
             <a:endParaRPr lang="de-DE"/>
           </a:p>
@@ -2196,7 +2297,7 @@
           <a:p>
             <a:fld id="{A447AF47-11D8-4D82-B10F-25D21E70C5E0}" type="datetime1">
               <a:rPr lang="de-DE" smtClean="0"/>
-              <a:t>08.11.2015</a:t>
+              <a:t>09.11.2015</a:t>
             </a:fld>
             <a:endParaRPr lang="de-DE"/>
           </a:p>
@@ -2380,7 +2481,7 @@
           <a:p>
             <a:fld id="{543788E4-A95E-4832-B870-CB80D76EBE23}" type="datetime1">
               <a:rPr lang="de-DE" smtClean="0"/>
-              <a:t>08.11.2015</a:t>
+              <a:t>09.11.2015</a:t>
             </a:fld>
             <a:endParaRPr lang="de-DE"/>
           </a:p>
@@ -2554,7 +2655,7 @@
           <a:p>
             <a:fld id="{E73C01AF-8343-4F19-B9AC-705781352FC9}" type="datetime1">
               <a:rPr lang="de-DE" smtClean="0"/>
-              <a:t>08.11.2015</a:t>
+              <a:t>09.11.2015</a:t>
             </a:fld>
             <a:endParaRPr lang="de-DE"/>
           </a:p>
@@ -2804,7 +2905,7 @@
           <a:p>
             <a:fld id="{579FA6AE-DE1F-4DF3-97A3-5366C9F77558}" type="datetime1">
               <a:rPr lang="de-DE" smtClean="0"/>
-              <a:t>08.11.2015</a:t>
+              <a:t>09.11.2015</a:t>
             </a:fld>
             <a:endParaRPr lang="de-DE"/>
           </a:p>
@@ -3040,7 +3141,7 @@
           <a:p>
             <a:fld id="{E4704B2D-B93C-43FD-9078-8BE4372D4B8F}" type="datetime1">
               <a:rPr lang="de-DE" smtClean="0"/>
-              <a:t>08.11.2015</a:t>
+              <a:t>09.11.2015</a:t>
             </a:fld>
             <a:endParaRPr lang="de-DE"/>
           </a:p>
@@ -3411,7 +3512,7 @@
           <a:p>
             <a:fld id="{1768B4C1-F7A3-4B98-9D95-27860ECF617B}" type="datetime1">
               <a:rPr lang="de-DE" smtClean="0"/>
-              <a:t>08.11.2015</a:t>
+              <a:t>09.11.2015</a:t>
             </a:fld>
             <a:endParaRPr lang="de-DE"/>
           </a:p>
@@ -3533,7 +3634,7 @@
           <a:p>
             <a:fld id="{AAD6BAB3-938A-4550-97A8-B866A93C2B7A}" type="datetime1">
               <a:rPr lang="de-DE" smtClean="0"/>
-              <a:t>08.11.2015</a:t>
+              <a:t>09.11.2015</a:t>
             </a:fld>
             <a:endParaRPr lang="de-DE"/>
           </a:p>
@@ -3632,7 +3733,7 @@
           <a:p>
             <a:fld id="{527FEBA9-D81D-4C8E-814F-953A43B7C137}" type="datetime1">
               <a:rPr lang="de-DE" smtClean="0"/>
-              <a:t>08.11.2015</a:t>
+              <a:t>09.11.2015</a:t>
             </a:fld>
             <a:endParaRPr lang="de-DE"/>
           </a:p>
@@ -3913,7 +4014,7 @@
           <a:p>
             <a:fld id="{E378A88E-EE5F-4C45-931A-8B5E804961EB}" type="datetime1">
               <a:rPr lang="de-DE" smtClean="0"/>
-              <a:t>08.11.2015</a:t>
+              <a:t>09.11.2015</a:t>
             </a:fld>
             <a:endParaRPr lang="de-DE"/>
           </a:p>
@@ -4170,7 +4271,7 @@
           <a:p>
             <a:fld id="{5B9B5983-551E-471B-B435-F490923082E0}" type="datetime1">
               <a:rPr lang="de-DE" smtClean="0"/>
-              <a:t>08.11.2015</a:t>
+              <a:t>09.11.2015</a:t>
             </a:fld>
             <a:endParaRPr lang="de-DE"/>
           </a:p>
@@ -4387,7 +4488,7 @@
           <a:p>
             <a:fld id="{21E193C8-6FC0-4751-8C9C-38C211C2BBC3}" type="datetime1">
               <a:rPr lang="de-DE" smtClean="0"/>
-              <a:t>08.11.2015</a:t>
+              <a:t>09.11.2015</a:t>
             </a:fld>
             <a:endParaRPr lang="de-DE"/>
           </a:p>
@@ -5026,7 +5127,7 @@
           <a:p>
             <a:fld id="{2F0E06C7-5B70-4C8D-8101-77BEC2D68687}" type="datetime1">
               <a:rPr lang="de-DE" smtClean="0"/>
-              <a:t>08.11.2015</a:t>
+              <a:t>09.11.2015</a:t>
             </a:fld>
             <a:endParaRPr lang="de-DE"/>
           </a:p>
@@ -5409,7 +5510,7 @@
           <a:p>
             <a:fld id="{2F0E06C7-5B70-4C8D-8101-77BEC2D68687}" type="datetime1">
               <a:rPr lang="de-DE" smtClean="0"/>
-              <a:t>08.11.2015</a:t>
+              <a:t>09.11.2015</a:t>
             </a:fld>
             <a:endParaRPr lang="de-DE"/>
           </a:p>
@@ -5609,7 +5710,7 @@
           <a:p>
             <a:fld id="{2F0E06C7-5B70-4C8D-8101-77BEC2D68687}" type="datetime1">
               <a:rPr lang="de-DE" smtClean="0"/>
-              <a:t>08.11.2015</a:t>
+              <a:t>09.11.2015</a:t>
             </a:fld>
             <a:endParaRPr lang="de-DE"/>
           </a:p>
@@ -6495,85 +6596,9 @@
             <a:pPr algn="r"/>
             <a:r>
               <a:rPr lang="de-DE" dirty="0" smtClean="0"/>
-              <a:t>Aufgabe „Chat-Applikation“ |</a:t>
+              <a:t>Package Management |</a:t>
             </a:r>
             <a:endParaRPr lang="de-DE" dirty="0"/>
-          </a:p>
-        </p:txBody>
-      </p:sp>
-      <p:sp>
-        <p:nvSpPr>
-          <p:cNvPr id="3" name="Inhaltsplatzhalter 2"/>
-          <p:cNvSpPr>
-            <a:spLocks noGrp="1"/>
-          </p:cNvSpPr>
-          <p:nvPr>
-            <p:ph idx="1"/>
-          </p:nvPr>
-        </p:nvSpPr>
-        <p:spPr>
-          <a:xfrm>
-            <a:off x="838200" y="1690688"/>
-            <a:ext cx="10515600" cy="4351338"/>
-          </a:xfrm>
-        </p:spPr>
-        <p:txBody>
-          <a:bodyPr>
-            <a:normAutofit/>
-          </a:bodyPr>
-          <a:lstStyle/>
-          <a:p>
-            <a:pPr marL="0" indent="0">
-              <a:buNone/>
-            </a:pPr>
-            <a:r>
-              <a:rPr lang="de-DE" dirty="0" smtClean="0"/>
-              <a:t>Einfache Chat-Applikation mit node.js</a:t>
-            </a:r>
-            <a:br>
-              <a:rPr lang="de-DE" dirty="0" smtClean="0"/>
-            </a:br>
-            <a:r>
-              <a:rPr lang="de-DE" dirty="0" smtClean="0"/>
-              <a:t>und den Frameworks „express“ und</a:t>
-            </a:r>
-            <a:br>
-              <a:rPr lang="de-DE" dirty="0" smtClean="0"/>
-            </a:br>
-            <a:r>
-              <a:rPr lang="de-DE" dirty="0" smtClean="0"/>
-              <a:t>„socket.io“.</a:t>
-            </a:r>
-          </a:p>
-          <a:p>
-            <a:r>
-              <a:rPr lang="de-DE" dirty="0" smtClean="0"/>
-              <a:t>Nachrichten senden</a:t>
-            </a:r>
-          </a:p>
-          <a:p>
-            <a:r>
-              <a:rPr lang="de-DE" dirty="0" smtClean="0"/>
-              <a:t>Nachrichten empfangen</a:t>
-            </a:r>
-          </a:p>
-          <a:p>
-            <a:r>
-              <a:rPr lang="de-DE" sz="2400" i="1" dirty="0" smtClean="0"/>
-              <a:t>Benutzernamen zu haben [optional]</a:t>
-            </a:r>
-          </a:p>
-          <a:p>
-            <a:r>
-              <a:rPr lang="de-DE" sz="2400" i="1" dirty="0" smtClean="0"/>
-              <a:t>Uhrzeit anzeigen [optional]</a:t>
-            </a:r>
-          </a:p>
-          <a:p>
-            <a:r>
-              <a:rPr lang="de-DE" i="1" dirty="0" smtClean="0"/>
-              <a:t>…</a:t>
-            </a:r>
           </a:p>
         </p:txBody>
       </p:sp>
@@ -6635,7 +6660,7 @@
           <a:p>
             <a:fld id="{2F0E06C7-5B70-4C8D-8101-77BEC2D68687}" type="datetime1">
               <a:rPr lang="de-DE" smtClean="0"/>
-              <a:t>08.11.2015</a:t>
+              <a:t>09.11.2015</a:t>
             </a:fld>
             <a:endParaRPr lang="de-DE"/>
           </a:p>
@@ -6682,6 +6707,658 @@
             <a:fld id="{A6BFD5B3-77F6-4B56-9F5A-B13C579420F3}" type="slidenum">
               <a:rPr lang="de-DE" smtClean="0"/>
               <a:t>13</a:t>
+            </a:fld>
+            <a:endParaRPr lang="de-DE" dirty="0"/>
+          </a:p>
+        </p:txBody>
+      </p:sp>
+      <p:pic>
+        <p:nvPicPr>
+          <p:cNvPr id="21" name="Picture 2" descr="https://i.cloudup.com/zfY6lL7eFa-3000x3000.png"/>
+          <p:cNvPicPr>
+            <a:picLocks noChangeAspect="1" noChangeArrowheads="1"/>
+          </p:cNvPicPr>
+          <p:nvPr/>
+        </p:nvPicPr>
+        <p:blipFill>
+          <a:blip r:embed="rId4">
+            <a:extLst>
+              <a:ext uri="{28A0092B-C50C-407E-A947-70E740481C1C}">
+                <a14:useLocalDpi xmlns:a14="http://schemas.microsoft.com/office/drawing/2010/main" val="0"/>
+              </a:ext>
+            </a:extLst>
+          </a:blip>
+          <a:srcRect/>
+          <a:stretch>
+            <a:fillRect/>
+          </a:stretch>
+        </p:blipFill>
+        <p:spPr bwMode="auto">
+          <a:xfrm>
+            <a:off x="848498" y="2056964"/>
+            <a:ext cx="3348794" cy="1015442"/>
+          </a:xfrm>
+          <a:prstGeom prst="rect">
+            <a:avLst/>
+          </a:prstGeom>
+          <a:noFill/>
+          <a:extLst>
+            <a:ext uri="{909E8E84-426E-40DD-AFC4-6F175D3DCCD1}">
+              <a14:hiddenFill xmlns:a14="http://schemas.microsoft.com/office/drawing/2010/main">
+                <a:solidFill>
+                  <a:srgbClr val="FFFFFF"/>
+                </a:solidFill>
+              </a14:hiddenFill>
+            </a:ext>
+          </a:extLst>
+        </p:spPr>
+      </p:pic>
+      <p:pic>
+        <p:nvPicPr>
+          <p:cNvPr id="22" name="Picture 4" descr="http://storage.vexxhost.net/v1/d7594b0298b54bcc9e4e0f252e1da2e4/blog/mean-socket-io-integration-tutorial%2Fsocketio-logo.png"/>
+          <p:cNvPicPr>
+            <a:picLocks noChangeAspect="1" noChangeArrowheads="1"/>
+          </p:cNvPicPr>
+          <p:nvPr/>
+        </p:nvPicPr>
+        <p:blipFill>
+          <a:blip r:embed="rId5" cstate="print">
+            <a:extLst>
+              <a:ext uri="{28A0092B-C50C-407E-A947-70E740481C1C}">
+                <a14:useLocalDpi xmlns:a14="http://schemas.microsoft.com/office/drawing/2010/main" val="0"/>
+              </a:ext>
+            </a:extLst>
+          </a:blip>
+          <a:srcRect/>
+          <a:stretch>
+            <a:fillRect/>
+          </a:stretch>
+        </p:blipFill>
+        <p:spPr bwMode="auto">
+          <a:xfrm>
+            <a:off x="7401698" y="4203661"/>
+            <a:ext cx="3807262" cy="1786413"/>
+          </a:xfrm>
+          <a:prstGeom prst="rect">
+            <a:avLst/>
+          </a:prstGeom>
+          <a:noFill/>
+          <a:extLst>
+            <a:ext uri="{909E8E84-426E-40DD-AFC4-6F175D3DCCD1}">
+              <a14:hiddenFill xmlns:a14="http://schemas.microsoft.com/office/drawing/2010/main">
+                <a:solidFill>
+                  <a:srgbClr val="FFFFFF"/>
+                </a:solidFill>
+              </a14:hiddenFill>
+            </a:ext>
+          </a:extLst>
+        </p:spPr>
+      </p:pic>
+      <p:sp>
+        <p:nvSpPr>
+          <p:cNvPr id="25" name="Inhaltsplatzhalter 2"/>
+          <p:cNvSpPr>
+            <a:spLocks noGrp="1"/>
+          </p:cNvSpPr>
+          <p:nvPr>
+            <p:ph idx="1"/>
+          </p:nvPr>
+        </p:nvSpPr>
+        <p:spPr>
+          <a:xfrm>
+            <a:off x="4545226" y="1690688"/>
+            <a:ext cx="6489357" cy="1957080"/>
+          </a:xfrm>
+        </p:spPr>
+        <p:txBody>
+          <a:bodyPr>
+            <a:normAutofit/>
+          </a:bodyPr>
+          <a:lstStyle/>
+          <a:p>
+            <a:pPr marL="0" indent="0">
+              <a:buNone/>
+            </a:pPr>
+            <a:r>
+              <a:rPr lang="de-DE" b="1" dirty="0" smtClean="0"/>
+              <a:t>Express</a:t>
+            </a:r>
+          </a:p>
+          <a:p>
+            <a:pPr marL="0" indent="0">
+              <a:buNone/>
+            </a:pPr>
+            <a:r>
+              <a:rPr lang="de-DE" dirty="0" smtClean="0"/>
+              <a:t>Gilt als Basis-Modul für Web-Applikationen mit node</a:t>
+            </a:r>
+            <a:r>
+              <a:rPr lang="de-DE" dirty="0" smtClean="0"/>
+              <a:t>.js</a:t>
+            </a:r>
+            <a:endParaRPr lang="de-DE" dirty="0"/>
+          </a:p>
+          <a:p>
+            <a:pPr marL="0" indent="0">
+              <a:buNone/>
+            </a:pPr>
+            <a:r>
+              <a:rPr lang="de-DE" sz="2000" b="1" dirty="0" err="1" smtClean="0">
+                <a:latin typeface="Lucida Console" panose="020B0609040504020204" pitchFamily="49" charset="0"/>
+              </a:rPr>
+              <a:t>npm</a:t>
+            </a:r>
+            <a:r>
+              <a:rPr lang="de-DE" sz="2000" b="1" dirty="0" smtClean="0">
+                <a:latin typeface="Lucida Console" panose="020B0609040504020204" pitchFamily="49" charset="0"/>
+              </a:rPr>
+              <a:t> </a:t>
+            </a:r>
+            <a:r>
+              <a:rPr lang="de-DE" sz="2000" b="1" dirty="0" err="1" smtClean="0">
+                <a:latin typeface="Lucida Console" panose="020B0609040504020204" pitchFamily="49" charset="0"/>
+              </a:rPr>
+              <a:t>install</a:t>
+            </a:r>
+            <a:r>
+              <a:rPr lang="de-DE" sz="2000" b="1" dirty="0" smtClean="0">
+                <a:latin typeface="Lucida Console" panose="020B0609040504020204" pitchFamily="49" charset="0"/>
+              </a:rPr>
+              <a:t> express</a:t>
+            </a:r>
+            <a:endParaRPr lang="de-DE" sz="2000" b="1" dirty="0" smtClean="0">
+              <a:latin typeface="Lucida Console" panose="020B0609040504020204" pitchFamily="49" charset="0"/>
+            </a:endParaRPr>
+          </a:p>
+        </p:txBody>
+      </p:sp>
+      <p:sp>
+        <p:nvSpPr>
+          <p:cNvPr id="27" name="Inhaltsplatzhalter 2"/>
+          <p:cNvSpPr txBox="1">
+            <a:spLocks/>
+          </p:cNvSpPr>
+          <p:nvPr/>
+        </p:nvSpPr>
+        <p:spPr>
+          <a:xfrm>
+            <a:off x="912341" y="4203661"/>
+            <a:ext cx="6489357" cy="1957080"/>
+          </a:xfrm>
+          <a:prstGeom prst="rect">
+            <a:avLst/>
+          </a:prstGeom>
+        </p:spPr>
+        <p:txBody>
+          <a:bodyPr vert="horz" lIns="91440" tIns="45720" rIns="91440" bIns="45720" rtlCol="0">
+            <a:normAutofit/>
+          </a:bodyPr>
+          <a:lstStyle>
+            <a:lvl1pPr marL="228600" indent="-228600" algn="l" defTabSz="914400" rtl="0" eaLnBrk="1" latinLnBrk="0" hangingPunct="1">
+              <a:lnSpc>
+                <a:spcPct val="90000"/>
+              </a:lnSpc>
+              <a:spcBef>
+                <a:spcPts val="1000"/>
+              </a:spcBef>
+              <a:buFont typeface="Arial" panose="020B0604020202020204" pitchFamily="34" charset="0"/>
+              <a:buChar char="•"/>
+              <a:defRPr sz="2800" kern="1200">
+                <a:solidFill>
+                  <a:schemeClr val="tx1"/>
+                </a:solidFill>
+                <a:latin typeface="+mn-lt"/>
+                <a:ea typeface="+mn-ea"/>
+                <a:cs typeface="+mn-cs"/>
+              </a:defRPr>
+            </a:lvl1pPr>
+            <a:lvl2pPr marL="685800" indent="-228600" algn="l" defTabSz="914400" rtl="0" eaLnBrk="1" latinLnBrk="0" hangingPunct="1">
+              <a:lnSpc>
+                <a:spcPct val="90000"/>
+              </a:lnSpc>
+              <a:spcBef>
+                <a:spcPts val="500"/>
+              </a:spcBef>
+              <a:buFont typeface="Arial" panose="020B0604020202020204" pitchFamily="34" charset="0"/>
+              <a:buChar char="•"/>
+              <a:defRPr sz="2400" kern="1200">
+                <a:solidFill>
+                  <a:schemeClr val="tx1"/>
+                </a:solidFill>
+                <a:latin typeface="+mn-lt"/>
+                <a:ea typeface="+mn-ea"/>
+                <a:cs typeface="+mn-cs"/>
+              </a:defRPr>
+            </a:lvl2pPr>
+            <a:lvl3pPr marL="1143000" indent="-228600" algn="l" defTabSz="914400" rtl="0" eaLnBrk="1" latinLnBrk="0" hangingPunct="1">
+              <a:lnSpc>
+                <a:spcPct val="90000"/>
+              </a:lnSpc>
+              <a:spcBef>
+                <a:spcPts val="500"/>
+              </a:spcBef>
+              <a:buFont typeface="Arial" panose="020B0604020202020204" pitchFamily="34" charset="0"/>
+              <a:buChar char="•"/>
+              <a:defRPr sz="2000" kern="1200">
+                <a:solidFill>
+                  <a:schemeClr val="tx1"/>
+                </a:solidFill>
+                <a:latin typeface="+mn-lt"/>
+                <a:ea typeface="+mn-ea"/>
+                <a:cs typeface="+mn-cs"/>
+              </a:defRPr>
+            </a:lvl3pPr>
+            <a:lvl4pPr marL="1600200" indent="-228600" algn="l" defTabSz="914400" rtl="0" eaLnBrk="1" latinLnBrk="0" hangingPunct="1">
+              <a:lnSpc>
+                <a:spcPct val="90000"/>
+              </a:lnSpc>
+              <a:spcBef>
+                <a:spcPts val="500"/>
+              </a:spcBef>
+              <a:buFont typeface="Arial" panose="020B0604020202020204" pitchFamily="34" charset="0"/>
+              <a:buChar char="•"/>
+              <a:defRPr sz="1800" kern="1200">
+                <a:solidFill>
+                  <a:schemeClr val="tx1"/>
+                </a:solidFill>
+                <a:latin typeface="+mn-lt"/>
+                <a:ea typeface="+mn-ea"/>
+                <a:cs typeface="+mn-cs"/>
+              </a:defRPr>
+            </a:lvl4pPr>
+            <a:lvl5pPr marL="2057400" indent="-228600" algn="l" defTabSz="914400" rtl="0" eaLnBrk="1" latinLnBrk="0" hangingPunct="1">
+              <a:lnSpc>
+                <a:spcPct val="90000"/>
+              </a:lnSpc>
+              <a:spcBef>
+                <a:spcPts val="500"/>
+              </a:spcBef>
+              <a:buFont typeface="Arial" panose="020B0604020202020204" pitchFamily="34" charset="0"/>
+              <a:buChar char="•"/>
+              <a:defRPr sz="1800" kern="1200">
+                <a:solidFill>
+                  <a:schemeClr val="tx1"/>
+                </a:solidFill>
+                <a:latin typeface="+mn-lt"/>
+                <a:ea typeface="+mn-ea"/>
+                <a:cs typeface="+mn-cs"/>
+              </a:defRPr>
+            </a:lvl5pPr>
+            <a:lvl6pPr marL="2514600" indent="-228600" algn="l" defTabSz="914400" rtl="0" eaLnBrk="1" latinLnBrk="0" hangingPunct="1">
+              <a:lnSpc>
+                <a:spcPct val="90000"/>
+              </a:lnSpc>
+              <a:spcBef>
+                <a:spcPts val="500"/>
+              </a:spcBef>
+              <a:buFont typeface="Arial" panose="020B0604020202020204" pitchFamily="34" charset="0"/>
+              <a:buChar char="•"/>
+              <a:defRPr sz="1800" kern="1200">
+                <a:solidFill>
+                  <a:schemeClr val="tx1"/>
+                </a:solidFill>
+                <a:latin typeface="+mn-lt"/>
+                <a:ea typeface="+mn-ea"/>
+                <a:cs typeface="+mn-cs"/>
+              </a:defRPr>
+            </a:lvl6pPr>
+            <a:lvl7pPr marL="2971800" indent="-228600" algn="l" defTabSz="914400" rtl="0" eaLnBrk="1" latinLnBrk="0" hangingPunct="1">
+              <a:lnSpc>
+                <a:spcPct val="90000"/>
+              </a:lnSpc>
+              <a:spcBef>
+                <a:spcPts val="500"/>
+              </a:spcBef>
+              <a:buFont typeface="Arial" panose="020B0604020202020204" pitchFamily="34" charset="0"/>
+              <a:buChar char="•"/>
+              <a:defRPr sz="1800" kern="1200">
+                <a:solidFill>
+                  <a:schemeClr val="tx1"/>
+                </a:solidFill>
+                <a:latin typeface="+mn-lt"/>
+                <a:ea typeface="+mn-ea"/>
+                <a:cs typeface="+mn-cs"/>
+              </a:defRPr>
+            </a:lvl7pPr>
+            <a:lvl8pPr marL="3429000" indent="-228600" algn="l" defTabSz="914400" rtl="0" eaLnBrk="1" latinLnBrk="0" hangingPunct="1">
+              <a:lnSpc>
+                <a:spcPct val="90000"/>
+              </a:lnSpc>
+              <a:spcBef>
+                <a:spcPts val="500"/>
+              </a:spcBef>
+              <a:buFont typeface="Arial" panose="020B0604020202020204" pitchFamily="34" charset="0"/>
+              <a:buChar char="•"/>
+              <a:defRPr sz="1800" kern="1200">
+                <a:solidFill>
+                  <a:schemeClr val="tx1"/>
+                </a:solidFill>
+                <a:latin typeface="+mn-lt"/>
+                <a:ea typeface="+mn-ea"/>
+                <a:cs typeface="+mn-cs"/>
+              </a:defRPr>
+            </a:lvl8pPr>
+            <a:lvl9pPr marL="3886200" indent="-228600" algn="l" defTabSz="914400" rtl="0" eaLnBrk="1" latinLnBrk="0" hangingPunct="1">
+              <a:lnSpc>
+                <a:spcPct val="90000"/>
+              </a:lnSpc>
+              <a:spcBef>
+                <a:spcPts val="500"/>
+              </a:spcBef>
+              <a:buFont typeface="Arial" panose="020B0604020202020204" pitchFamily="34" charset="0"/>
+              <a:buChar char="•"/>
+              <a:defRPr sz="1800" kern="1200">
+                <a:solidFill>
+                  <a:schemeClr val="tx1"/>
+                </a:solidFill>
+                <a:latin typeface="+mn-lt"/>
+                <a:ea typeface="+mn-ea"/>
+                <a:cs typeface="+mn-cs"/>
+              </a:defRPr>
+            </a:lvl9pPr>
+          </a:lstStyle>
+          <a:p>
+            <a:pPr marL="0" indent="0">
+              <a:buFont typeface="Arial" panose="020B0604020202020204" pitchFamily="34" charset="0"/>
+              <a:buNone/>
+            </a:pPr>
+            <a:r>
+              <a:rPr lang="de-DE" b="1" dirty="0" smtClean="0"/>
+              <a:t>socket.io</a:t>
+            </a:r>
+          </a:p>
+          <a:p>
+            <a:pPr marL="0" indent="0">
+              <a:buFont typeface="Arial" panose="020B0604020202020204" pitchFamily="34" charset="0"/>
+              <a:buNone/>
+            </a:pPr>
+            <a:r>
+              <a:rPr lang="de-DE" dirty="0" smtClean="0"/>
+              <a:t>Zur einfachen Kommunikation zwischen Client und Server</a:t>
+            </a:r>
+          </a:p>
+          <a:p>
+            <a:pPr marL="0" indent="0">
+              <a:buFont typeface="Arial" panose="020B0604020202020204" pitchFamily="34" charset="0"/>
+              <a:buNone/>
+            </a:pPr>
+            <a:r>
+              <a:rPr lang="de-DE" sz="2000" b="1" dirty="0" err="1" smtClean="0">
+                <a:latin typeface="Lucida Console" panose="020B0609040504020204" pitchFamily="49" charset="0"/>
+              </a:rPr>
+              <a:t>npm</a:t>
+            </a:r>
+            <a:r>
+              <a:rPr lang="de-DE" sz="2000" b="1" dirty="0" smtClean="0">
+                <a:latin typeface="Lucida Console" panose="020B0609040504020204" pitchFamily="49" charset="0"/>
+              </a:rPr>
+              <a:t> </a:t>
+            </a:r>
+            <a:r>
+              <a:rPr lang="de-DE" sz="2000" b="1" dirty="0" err="1" smtClean="0">
+                <a:latin typeface="Lucida Console" panose="020B0609040504020204" pitchFamily="49" charset="0"/>
+              </a:rPr>
+              <a:t>install</a:t>
+            </a:r>
+            <a:r>
+              <a:rPr lang="de-DE" sz="2000" b="1" dirty="0" smtClean="0">
+                <a:latin typeface="Lucida Console" panose="020B0609040504020204" pitchFamily="49" charset="0"/>
+              </a:rPr>
+              <a:t> socket.io</a:t>
+            </a:r>
+            <a:endParaRPr lang="de-DE" sz="2000" b="1" dirty="0" smtClean="0">
+              <a:latin typeface="Lucida Console" panose="020B0609040504020204" pitchFamily="49" charset="0"/>
+            </a:endParaRPr>
+          </a:p>
+        </p:txBody>
+      </p:sp>
+    </p:spTree>
+    <p:extLst>
+      <p:ext uri="{BB962C8B-B14F-4D97-AF65-F5344CB8AC3E}">
+        <p14:creationId xmlns:p14="http://schemas.microsoft.com/office/powerpoint/2010/main" val="2256940789"/>
+      </p:ext>
+    </p:extLst>
+  </p:cSld>
+  <p:clrMapOvr>
+    <a:masterClrMapping/>
+  </p:clrMapOvr>
+  <p:timing>
+    <p:tnLst>
+      <p:par>
+        <p:cTn id="1" dur="indefinite" restart="never" nodeType="tmRoot"/>
+      </p:par>
+    </p:tnLst>
+  </p:timing>
+</p:sld>
+</file>
+
+<file path=ppt/slides/slide14.xml><?xml version="1.0" encoding="utf-8"?>
+<p:sld xmlns:a="http://schemas.openxmlformats.org/drawingml/2006/main" xmlns:r="http://schemas.openxmlformats.org/officeDocument/2006/relationships" xmlns:p="http://schemas.openxmlformats.org/presentationml/2006/main">
+  <p:cSld>
+    <p:spTree>
+      <p:nvGrpSpPr>
+        <p:cNvPr id="1" name=""/>
+        <p:cNvGrpSpPr/>
+        <p:nvPr/>
+      </p:nvGrpSpPr>
+      <p:grpSpPr>
+        <a:xfrm>
+          <a:off x="0" y="0"/>
+          <a:ext cx="0" cy="0"/>
+          <a:chOff x="0" y="0"/>
+          <a:chExt cx="0" cy="0"/>
+        </a:xfrm>
+      </p:grpSpPr>
+      <p:sp>
+        <p:nvSpPr>
+          <p:cNvPr id="2" name="Titel 1"/>
+          <p:cNvSpPr>
+            <a:spLocks noGrp="1"/>
+          </p:cNvSpPr>
+          <p:nvPr>
+            <p:ph type="title"/>
+          </p:nvPr>
+        </p:nvSpPr>
+        <p:spPr>
+          <a:xfrm>
+            <a:off x="838201" y="365125"/>
+            <a:ext cx="8030378" cy="1325563"/>
+          </a:xfrm>
+        </p:spPr>
+        <p:txBody>
+          <a:bodyPr/>
+          <a:lstStyle/>
+          <a:p>
+            <a:pPr algn="r"/>
+            <a:r>
+              <a:rPr lang="de-DE" dirty="0" smtClean="0"/>
+              <a:t>Aufgabe „Chat-Applikation“ |</a:t>
+            </a:r>
+            <a:endParaRPr lang="de-DE" dirty="0"/>
+          </a:p>
+        </p:txBody>
+      </p:sp>
+      <p:sp>
+        <p:nvSpPr>
+          <p:cNvPr id="3" name="Inhaltsplatzhalter 2"/>
+          <p:cNvSpPr>
+            <a:spLocks noGrp="1"/>
+          </p:cNvSpPr>
+          <p:nvPr>
+            <p:ph idx="1"/>
+          </p:nvPr>
+        </p:nvSpPr>
+        <p:spPr>
+          <a:xfrm>
+            <a:off x="838200" y="1690688"/>
+            <a:ext cx="10515600" cy="4351338"/>
+          </a:xfrm>
+        </p:spPr>
+        <p:txBody>
+          <a:bodyPr>
+            <a:normAutofit/>
+          </a:bodyPr>
+          <a:lstStyle/>
+          <a:p>
+            <a:pPr marL="0" indent="0">
+              <a:buNone/>
+            </a:pPr>
+            <a:r>
+              <a:rPr lang="de-DE" dirty="0" smtClean="0"/>
+              <a:t>Einfache Chat-Applikation mit node.js</a:t>
+            </a:r>
+            <a:br>
+              <a:rPr lang="de-DE" dirty="0" smtClean="0"/>
+            </a:br>
+            <a:r>
+              <a:rPr lang="de-DE" dirty="0" smtClean="0"/>
+              <a:t>und den Frameworks „express“ und</a:t>
+            </a:r>
+            <a:br>
+              <a:rPr lang="de-DE" dirty="0" smtClean="0"/>
+            </a:br>
+            <a:r>
+              <a:rPr lang="de-DE" dirty="0" smtClean="0"/>
+              <a:t>„socket.io“.</a:t>
+            </a:r>
+          </a:p>
+          <a:p>
+            <a:r>
+              <a:rPr lang="de-DE" dirty="0" smtClean="0"/>
+              <a:t>Nachrichten senden</a:t>
+            </a:r>
+          </a:p>
+          <a:p>
+            <a:r>
+              <a:rPr lang="de-DE" dirty="0" smtClean="0"/>
+              <a:t>Nachrichten empfangen</a:t>
+            </a:r>
+          </a:p>
+          <a:p>
+            <a:r>
+              <a:rPr lang="de-DE" sz="2400" i="1" dirty="0" smtClean="0"/>
+              <a:t>Benutzernamen zu haben [optional]</a:t>
+            </a:r>
+          </a:p>
+          <a:p>
+            <a:r>
+              <a:rPr lang="de-DE" sz="2400" i="1" dirty="0" smtClean="0"/>
+              <a:t>Uhrzeit anzeigen [optional]</a:t>
+            </a:r>
+          </a:p>
+          <a:p>
+            <a:r>
+              <a:rPr lang="de-DE" i="1" dirty="0" smtClean="0"/>
+              <a:t>…</a:t>
+            </a:r>
+          </a:p>
+        </p:txBody>
+      </p:sp>
+      <p:pic>
+        <p:nvPicPr>
+          <p:cNvPr id="2050" name="Picture 2" descr="https://nodejs.org/static/images/logos/nodejs.png"/>
+          <p:cNvPicPr>
+            <a:picLocks noChangeAspect="1" noChangeArrowheads="1"/>
+          </p:cNvPicPr>
+          <p:nvPr/>
+        </p:nvPicPr>
+        <p:blipFill>
+          <a:blip r:embed="rId3">
+            <a:extLst>
+              <a:ext uri="{28A0092B-C50C-407E-A947-70E740481C1C}">
+                <a14:useLocalDpi xmlns:a14="http://schemas.microsoft.com/office/drawing/2010/main" val="0"/>
+              </a:ext>
+            </a:extLst>
+          </a:blip>
+          <a:srcRect/>
+          <a:stretch>
+            <a:fillRect/>
+          </a:stretch>
+        </p:blipFill>
+        <p:spPr bwMode="auto">
+          <a:xfrm>
+            <a:off x="9134503" y="236135"/>
+            <a:ext cx="2704957" cy="1454553"/>
+          </a:xfrm>
+          <a:prstGeom prst="rect">
+            <a:avLst/>
+          </a:prstGeom>
+          <a:noFill/>
+          <a:extLst>
+            <a:ext uri="{909E8E84-426E-40DD-AFC4-6F175D3DCCD1}">
+              <a14:hiddenFill xmlns:a14="http://schemas.microsoft.com/office/drawing/2010/main">
+                <a:solidFill>
+                  <a:srgbClr val="FFFFFF"/>
+                </a:solidFill>
+              </a14:hiddenFill>
+            </a:ext>
+          </a:extLst>
+        </p:spPr>
+      </p:pic>
+      <p:sp>
+        <p:nvSpPr>
+          <p:cNvPr id="4" name="Datumsplatzhalter 3"/>
+          <p:cNvSpPr>
+            <a:spLocks noGrp="1"/>
+          </p:cNvSpPr>
+          <p:nvPr>
+            <p:ph type="dt" sz="half" idx="10"/>
+          </p:nvPr>
+        </p:nvSpPr>
+        <p:spPr/>
+        <p:txBody>
+          <a:bodyPr/>
+          <a:lstStyle/>
+          <a:p>
+            <a:fld id="{2F0E06C7-5B70-4C8D-8101-77BEC2D68687}" type="datetime1">
+              <a:rPr lang="de-DE" smtClean="0"/>
+              <a:t>09.11.2015</a:t>
+            </a:fld>
+            <a:endParaRPr lang="de-DE"/>
+          </a:p>
+        </p:txBody>
+      </p:sp>
+      <p:sp>
+        <p:nvSpPr>
+          <p:cNvPr id="5" name="Fußzeilenplatzhalter 4"/>
+          <p:cNvSpPr>
+            <a:spLocks noGrp="1"/>
+          </p:cNvSpPr>
+          <p:nvPr>
+            <p:ph type="ftr" sz="quarter" idx="11"/>
+          </p:nvPr>
+        </p:nvSpPr>
+        <p:spPr/>
+        <p:txBody>
+          <a:bodyPr/>
+          <a:lstStyle/>
+          <a:p>
+            <a:r>
+              <a:rPr lang="de-DE" smtClean="0"/>
+              <a:t>Fabian Retkowski | node.js</a:t>
+            </a:r>
+            <a:endParaRPr lang="de-DE"/>
+          </a:p>
+        </p:txBody>
+      </p:sp>
+      <p:sp>
+        <p:nvSpPr>
+          <p:cNvPr id="6" name="Foliennummernplatzhalter 5"/>
+          <p:cNvSpPr>
+            <a:spLocks noGrp="1"/>
+          </p:cNvSpPr>
+          <p:nvPr>
+            <p:ph type="sldNum" sz="quarter" idx="12"/>
+          </p:nvPr>
+        </p:nvSpPr>
+        <p:spPr/>
+        <p:txBody>
+          <a:bodyPr/>
+          <a:lstStyle/>
+          <a:p>
+            <a:fld id="{A6BFD5B3-77F6-4B56-9F5A-B13C579420F3}" type="slidenum">
+              <a:rPr lang="de-DE" smtClean="0"/>
+              <a:t>14</a:t>
             </a:fld>
             <a:endParaRPr lang="de-DE"/>
           </a:p>
@@ -6851,6 +7528,155 @@
 </p:sld>
 </file>
 
+<file path=ppt/slides/slide15.xml><?xml version="1.0" encoding="utf-8"?>
+<p:sld xmlns:a="http://schemas.openxmlformats.org/drawingml/2006/main" xmlns:r="http://schemas.openxmlformats.org/officeDocument/2006/relationships" xmlns:p="http://schemas.openxmlformats.org/presentationml/2006/main">
+  <p:cSld>
+    <p:spTree>
+      <p:nvGrpSpPr>
+        <p:cNvPr id="1" name=""/>
+        <p:cNvGrpSpPr/>
+        <p:nvPr/>
+      </p:nvGrpSpPr>
+      <p:grpSpPr>
+        <a:xfrm>
+          <a:off x="0" y="0"/>
+          <a:ext cx="0" cy="0"/>
+          <a:chOff x="0" y="0"/>
+          <a:chExt cx="0" cy="0"/>
+        </a:xfrm>
+      </p:grpSpPr>
+      <p:sp>
+        <p:nvSpPr>
+          <p:cNvPr id="2" name="Titel 1"/>
+          <p:cNvSpPr>
+            <a:spLocks noGrp="1"/>
+          </p:cNvSpPr>
+          <p:nvPr>
+            <p:ph type="ctrTitle"/>
+          </p:nvPr>
+        </p:nvSpPr>
+        <p:spPr/>
+        <p:txBody>
+          <a:bodyPr/>
+          <a:lstStyle/>
+          <a:p>
+            <a:r>
+              <a:rPr lang="de-DE" dirty="0" smtClean="0"/>
+              <a:t>Danke für die Aufmerksamkeit</a:t>
+            </a:r>
+            <a:endParaRPr lang="de-DE" dirty="0"/>
+          </a:p>
+        </p:txBody>
+      </p:sp>
+      <p:sp>
+        <p:nvSpPr>
+          <p:cNvPr id="7" name="Untertitel 6"/>
+          <p:cNvSpPr>
+            <a:spLocks noGrp="1"/>
+          </p:cNvSpPr>
+          <p:nvPr>
+            <p:ph type="subTitle" idx="1"/>
+          </p:nvPr>
+        </p:nvSpPr>
+        <p:spPr/>
+        <p:txBody>
+          <a:bodyPr/>
+          <a:lstStyle/>
+          <a:p>
+            <a:r>
+              <a:rPr lang="de-DE" dirty="0" smtClean="0"/>
+              <a:t>Fabian Retkowski – node.js – </a:t>
+            </a:r>
+            <a:r>
+              <a:rPr lang="de-DE" dirty="0" err="1" smtClean="0"/>
+              <a:t>ePortfolio</a:t>
+            </a:r>
+            <a:endParaRPr lang="de-DE" dirty="0"/>
+          </a:p>
+        </p:txBody>
+      </p:sp>
+      <p:sp>
+        <p:nvSpPr>
+          <p:cNvPr id="4" name="Datumsplatzhalter 3"/>
+          <p:cNvSpPr>
+            <a:spLocks noGrp="1"/>
+          </p:cNvSpPr>
+          <p:nvPr>
+            <p:ph type="dt" sz="half" idx="10"/>
+          </p:nvPr>
+        </p:nvSpPr>
+        <p:spPr/>
+        <p:txBody>
+          <a:bodyPr/>
+          <a:lstStyle/>
+          <a:p>
+            <a:fld id="{E73C01AF-8343-4F19-B9AC-705781352FC9}" type="datetime1">
+              <a:rPr lang="de-DE" smtClean="0"/>
+              <a:t>09.11.2015</a:t>
+            </a:fld>
+            <a:endParaRPr lang="de-DE"/>
+          </a:p>
+        </p:txBody>
+      </p:sp>
+      <p:sp>
+        <p:nvSpPr>
+          <p:cNvPr id="5" name="Fußzeilenplatzhalter 4"/>
+          <p:cNvSpPr>
+            <a:spLocks noGrp="1"/>
+          </p:cNvSpPr>
+          <p:nvPr>
+            <p:ph type="ftr" sz="quarter" idx="11"/>
+          </p:nvPr>
+        </p:nvSpPr>
+        <p:spPr/>
+        <p:txBody>
+          <a:bodyPr/>
+          <a:lstStyle/>
+          <a:p>
+            <a:r>
+              <a:rPr lang="de-DE" smtClean="0"/>
+              <a:t>Fabian Retkowski | node.js</a:t>
+            </a:r>
+            <a:endParaRPr lang="de-DE"/>
+          </a:p>
+        </p:txBody>
+      </p:sp>
+      <p:sp>
+        <p:nvSpPr>
+          <p:cNvPr id="6" name="Foliennummernplatzhalter 5"/>
+          <p:cNvSpPr>
+            <a:spLocks noGrp="1"/>
+          </p:cNvSpPr>
+          <p:nvPr>
+            <p:ph type="sldNum" sz="quarter" idx="12"/>
+          </p:nvPr>
+        </p:nvSpPr>
+        <p:spPr/>
+        <p:txBody>
+          <a:bodyPr/>
+          <a:lstStyle/>
+          <a:p>
+            <a:fld id="{A6BFD5B3-77F6-4B56-9F5A-B13C579420F3}" type="slidenum">
+              <a:rPr lang="de-DE" smtClean="0"/>
+              <a:t>15</a:t>
+            </a:fld>
+            <a:endParaRPr lang="de-DE"/>
+          </a:p>
+        </p:txBody>
+      </p:sp>
+    </p:spTree>
+    <p:extLst>
+      <p:ext uri="{BB962C8B-B14F-4D97-AF65-F5344CB8AC3E}">
+        <p14:creationId xmlns:p14="http://schemas.microsoft.com/office/powerpoint/2010/main" val="1403637731"/>
+      </p:ext>
+    </p:extLst>
+  </p:cSld>
+  <p:clrMapOvr>
+    <a:masterClrMapping/>
+  </p:clrMapOvr>
+</p:sld>
+</file>
+
 <file path=ppt/slides/slide2.xml><?xml version="1.0" encoding="utf-8"?>
 <p:sld xmlns:a="http://schemas.openxmlformats.org/drawingml/2006/main" xmlns:r="http://schemas.openxmlformats.org/officeDocument/2006/relationships" xmlns:p="http://schemas.openxmlformats.org/presentationml/2006/main">
   <p:cSld>
@@ -7025,7 +7851,7 @@
           <a:p>
             <a:fld id="{2F0E06C7-5B70-4C8D-8101-77BEC2D68687}" type="datetime1">
               <a:rPr lang="de-DE" smtClean="0"/>
-              <a:t>08.11.2015</a:t>
+              <a:t>09.11.2015</a:t>
             </a:fld>
             <a:endParaRPr lang="de-DE"/>
           </a:p>
@@ -7264,7 +8090,7 @@
           <a:p>
             <a:fld id="{E73C01AF-8343-4F19-B9AC-705781352FC9}" type="datetime1">
               <a:rPr lang="de-DE" smtClean="0"/>
-              <a:t>08.11.2015</a:t>
+              <a:t>09.11.2015</a:t>
             </a:fld>
             <a:endParaRPr lang="de-DE"/>
           </a:p>
@@ -7786,7 +8612,7 @@
           <a:p>
             <a:fld id="{2F0E06C7-5B70-4C8D-8101-77BEC2D68687}" type="datetime1">
               <a:rPr lang="de-DE" smtClean="0"/>
-              <a:t>08.11.2015</a:t>
+              <a:t>09.11.2015</a:t>
             </a:fld>
             <a:endParaRPr lang="de-DE"/>
           </a:p>
@@ -8534,7 +9360,7 @@
           <a:p>
             <a:fld id="{2F0E06C7-5B70-4C8D-8101-77BEC2D68687}" type="datetime1">
               <a:rPr lang="de-DE" smtClean="0"/>
-              <a:t>08.11.2015</a:t>
+              <a:t>09.11.2015</a:t>
             </a:fld>
             <a:endParaRPr lang="de-DE"/>
           </a:p>
@@ -8786,7 +9612,7 @@
           <a:p>
             <a:fld id="{2F0E06C7-5B70-4C8D-8101-77BEC2D68687}" type="datetime1">
               <a:rPr lang="de-DE" smtClean="0"/>
-              <a:t>08.11.2015</a:t>
+              <a:t>09.11.2015</a:t>
             </a:fld>
             <a:endParaRPr lang="de-DE"/>
           </a:p>
@@ -9064,7 +9890,7 @@
           <a:p>
             <a:fld id="{2F0E06C7-5B70-4C8D-8101-77BEC2D68687}" type="datetime1">
               <a:rPr lang="de-DE" smtClean="0"/>
-              <a:t>08.11.2015</a:t>
+              <a:t>09.11.2015</a:t>
             </a:fld>
             <a:endParaRPr lang="de-DE"/>
           </a:p>
@@ -9405,7 +10231,7 @@
           <a:p>
             <a:fld id="{2F0E06C7-5B70-4C8D-8101-77BEC2D68687}" type="datetime1">
               <a:rPr lang="de-DE" smtClean="0"/>
-              <a:t>08.11.2015</a:t>
+              <a:t>09.11.2015</a:t>
             </a:fld>
             <a:endParaRPr lang="de-DE"/>
           </a:p>
@@ -10236,7 +11062,7 @@
           <a:p>
             <a:fld id="{2F0E06C7-5B70-4C8D-8101-77BEC2D68687}" type="datetime1">
               <a:rPr lang="de-DE" smtClean="0"/>
-              <a:t>08.11.2015</a:t>
+              <a:t>09.11.2015</a:t>
             </a:fld>
             <a:endParaRPr lang="de-DE"/>
           </a:p>

--- a/nodejs.pptx
+++ b/nodejs.pptx
@@ -977,11 +977,7 @@
             </a:r>
             <a:r>
               <a:rPr lang="de-DE" baseline="0" dirty="0" smtClean="0"/>
-              <a:t> von der offiziellen </a:t>
-            </a:r>
-            <a:r>
-              <a:rPr lang="de-DE" baseline="0" dirty="0" smtClean="0"/>
-              <a:t>node.js-Seite</a:t>
+              <a:t> von der offiziellen node.js-Seite</a:t>
             </a:r>
           </a:p>
           <a:p>
@@ -993,7 +989,6 @@
               <a:rPr lang="de-DE" baseline="0" dirty="0" smtClean="0"/>
               <a:t>Vorlesen</a:t>
             </a:r>
-            <a:endParaRPr lang="de-DE" baseline="0" dirty="0" smtClean="0"/>
           </a:p>
           <a:p>
             <a:pPr marL="171450" indent="-171450">
@@ -5013,6 +5008,9 @@
   <p:clrMapOvr>
     <a:masterClrMapping/>
   </p:clrMapOvr>
+  <p:transition spd="slow">
+    <p:push dir="u"/>
+  </p:transition>
   <p:timing>
     <p:tnLst>
       <p:par>
@@ -5291,6 +5289,9 @@
   <p:clrMapOvr>
     <a:masterClrMapping/>
   </p:clrMapOvr>
+  <p:transition spd="slow">
+    <p:push dir="u"/>
+  </p:transition>
   <p:timing>
     <p:tnLst>
       <p:par>
@@ -5596,6 +5597,9 @@
   <p:clrMapOvr>
     <a:masterClrMapping/>
   </p:clrMapOvr>
+  <p:transition spd="slow">
+    <p:push dir="u"/>
+  </p:transition>
   <p:timing>
     <p:tnLst>
       <p:par>
@@ -6546,6 +6550,9 @@
   <p:clrMapOvr>
     <a:masterClrMapping/>
   </p:clrMapOvr>
+  <p:transition spd="slow">
+    <p:push dir="u"/>
+  </p:transition>
   <p:timing>
     <p:tnLst>
       <p:par>
@@ -6830,11 +6837,7 @@
             </a:pPr>
             <a:r>
               <a:rPr lang="de-DE" dirty="0" smtClean="0"/>
-              <a:t>Gilt als Basis-Modul für Web-Applikationen mit node</a:t>
-            </a:r>
-            <a:r>
-              <a:rPr lang="de-DE" dirty="0" smtClean="0"/>
-              <a:t>.js</a:t>
+              <a:t>Gilt als Basis-Modul für Web-Applikationen mit node.js</a:t>
             </a:r>
             <a:endParaRPr lang="de-DE" dirty="0"/>
           </a:p>
@@ -6866,9 +6869,6 @@
               </a:rPr>
               <a:t> express</a:t>
             </a:r>
-            <a:endParaRPr lang="de-DE" sz="2000" b="1" dirty="0" smtClean="0">
-              <a:latin typeface="Lucida Console" panose="020B0609040504020204" pitchFamily="49" charset="0"/>
-            </a:endParaRPr>
           </a:p>
         </p:txBody>
       </p:sp>
@@ -7106,9 +7106,6 @@
               </a:rPr>
               <a:t> socket.io</a:t>
             </a:r>
-            <a:endParaRPr lang="de-DE" sz="2000" b="1" dirty="0" smtClean="0">
-              <a:latin typeface="Lucida Console" panose="020B0609040504020204" pitchFamily="49" charset="0"/>
-            </a:endParaRPr>
           </a:p>
         </p:txBody>
       </p:sp>
@@ -7122,6 +7119,9 @@
   <p:clrMapOvr>
     <a:masterClrMapping/>
   </p:clrMapOvr>
+  <p:transition spd="slow">
+    <p:push dir="u"/>
+  </p:transition>
   <p:timing>
     <p:tnLst>
       <p:par>
@@ -7518,6 +7518,9 @@
   <p:clrMapOvr>
     <a:masterClrMapping/>
   </p:clrMapOvr>
+  <p:transition spd="slow">
+    <p:push dir="u"/>
+  </p:transition>
   <p:timing>
     <p:tnLst>
       <p:par>
@@ -7674,6 +7677,16 @@
   <p:clrMapOvr>
     <a:masterClrMapping/>
   </p:clrMapOvr>
+  <p:transition spd="slow">
+    <p:push dir="u"/>
+  </p:transition>
+  <p:timing>
+    <p:tnLst>
+      <p:par>
+        <p:cTn id="1" dur="indefinite" restart="never" nodeType="tmRoot"/>
+      </p:par>
+    </p:tnLst>
+  </p:timing>
 </p:sld>
 </file>
 
@@ -7913,6 +7926,9 @@
   <p:clrMapOvr>
     <a:masterClrMapping/>
   </p:clrMapOvr>
+  <p:transition spd="slow">
+    <p:push dir="u"/>
+  </p:transition>
   <p:timing>
     <p:tnLst>
       <p:par>
@@ -8263,6 +8279,9 @@
   <p:clrMapOvr>
     <a:masterClrMapping/>
   </p:clrMapOvr>
+  <p:transition spd="slow">
+    <p:push dir="u"/>
+  </p:transition>
   <p:timing>
     <p:tnLst>
       <p:par>
@@ -8698,6 +8717,9 @@
   <p:clrMapOvr>
     <a:masterClrMapping/>
   </p:clrMapOvr>
+  <p:transition spd="slow">
+    <p:push dir="u"/>
+  </p:transition>
   <p:timing>
     <p:tnLst>
       <p:par>
@@ -9446,6 +9468,9 @@
   <p:clrMapOvr>
     <a:masterClrMapping/>
   </p:clrMapOvr>
+  <p:transition spd="slow">
+    <p:push dir="u"/>
+  </p:transition>
   <p:timing>
     <p:tnLst>
       <p:par>
@@ -9698,6 +9723,9 @@
   <p:clrMapOvr>
     <a:masterClrMapping/>
   </p:clrMapOvr>
+  <p:transition spd="slow">
+    <p:push dir="u"/>
+  </p:transition>
   <p:timing>
     <p:tnLst>
       <p:par>
@@ -9952,6 +9980,9 @@
   <p:clrMapOvr>
     <a:masterClrMapping/>
   </p:clrMapOvr>
+  <p:transition spd="slow">
+    <p:push dir="u"/>
+  </p:transition>
   <p:timing>
     <p:tnLst>
       <p:par>
@@ -10516,6 +10547,9 @@
   <p:clrMapOvr>
     <a:masterClrMapping/>
   </p:clrMapOvr>
+  <p:transition spd="slow">
+    <p:push dir="u"/>
+  </p:transition>
   <p:timing>
     <p:tnLst>
       <p:par>
@@ -11718,6 +11752,9 @@
   <p:clrMapOvr>
     <a:masterClrMapping/>
   </p:clrMapOvr>
+  <p:transition spd="slow">
+    <p:push dir="u"/>
+  </p:transition>
   <p:timing>
     <p:tnLst>
       <p:par>
